--- a/GameSystemObjects Documentation.pptx
+++ b/GameSystemObjects Documentation.pptx
@@ -114,6 +114,11 @@
       </a:defRPr>
     </a:lvl9pPr>
   </p:defaultTextStyle>
+  <p:extLst>
+    <p:ext uri="{EFAFB233-063F-42B5-8137-9DF3F51BA10A}">
+      <p15:sldGuideLst xmlns:p15="http://schemas.microsoft.com/office/powerpoint/2012/main"/>
+    </p:ext>
+  </p:extLst>
 </p:presentation>
 </file>
 
@@ -3583,7 +3588,7 @@
             </a:r>
             <a:r>
               <a:rPr lang="en-US" dirty="0"/>
-              <a:t> - The last time an item was gathered, long</a:t>
+              <a:t> - The last time an item was gathered, long.</a:t>
             </a:r>
           </a:p>
           <a:p>
@@ -3602,14 +3607,14 @@
             </a:r>
             <a:r>
               <a:rPr lang="en-US" dirty="0"/>
-              <a:t>, long</a:t>
+              <a:t>, long.</a:t>
             </a:r>
           </a:p>
           <a:p>
             <a:pPr lvl="1"/>
             <a:r>
               <a:rPr lang="en-US" dirty="0"/>
-              <a:t>enabled - Whether the task is running or not, bool</a:t>
+              <a:t>enabled - Whether the task is running or not, bool.</a:t>
             </a:r>
           </a:p>
           <a:p>
@@ -3620,15 +3625,7 @@
             </a:r>
             <a:r>
               <a:rPr lang="en-US" dirty="0"/>
-              <a:t> - Method to </a:t>
-            </a:r>
-            <a:r>
-              <a:rPr lang="en-US" dirty="0" err="1"/>
-              <a:t>determin</a:t>
-            </a:r>
-            <a:r>
-              <a:rPr lang="en-US" dirty="0"/>
-              <a:t> the upgrade cost of this task, int</a:t>
+              <a:t> - Method to determine the upgraded cost of this task, int.</a:t>
             </a:r>
           </a:p>
         </p:txBody>
@@ -4097,7 +4094,12 @@
             <p:ph type="title"/>
           </p:nvPr>
         </p:nvSpPr>
-        <p:spPr/>
+        <p:spPr>
+          <a:xfrm>
+            <a:off x="838200" y="317500"/>
+            <a:ext cx="10515600" cy="1325563"/>
+          </a:xfrm>
+        </p:spPr>
         <p:txBody>
           <a:bodyPr/>
           <a:lstStyle/>
@@ -4106,11 +4108,15 @@
               <a:rPr lang="en-US" dirty="0" err="1"/>
               <a:t>PlayerItemActionModel</a:t>
             </a:r>
+            <a:r>
+              <a:rPr lang="en-US" dirty="0"/>
+              <a:t>-</a:t>
+            </a:r>
             <a:br>
               <a:rPr lang="en-US" dirty="0"/>
             </a:br>
             <a:r>
-              <a:rPr lang="en-US" sz="2400" dirty="0"/>
+              <a:rPr lang="en-US" sz="2400" b="1" dirty="0"/>
               <a:t>Holds a enumerator and class.</a:t>
             </a:r>
           </a:p>
@@ -4292,7 +4298,7 @@
             </a:r>
             <a:r>
               <a:rPr lang="en-US" dirty="0"/>
-              <a:t> - Updates each players time calculation for their current item task.</a:t>
+              <a:t> - Updates each player’s time calculation for their current item task.</a:t>
             </a:r>
           </a:p>
           <a:p>
@@ -4469,15 +4475,7 @@
             </a:r>
             <a:r>
               <a:rPr lang="en-US" dirty="0"/>
-              <a:t> - Checks through each player to check if more than a minute has passed since their last seen time, if so, saves and </a:t>
-            </a:r>
-            <a:r>
-              <a:rPr lang="en-US" dirty="0" err="1"/>
-              <a:t>trys</a:t>
-            </a:r>
-            <a:r>
-              <a:rPr lang="en-US" dirty="0"/>
-              <a:t> to remove to player from the current repository.</a:t>
+              <a:t> - Checks through each player to check if more than a minute has passed since their last seen time. If so, it saves and tries to remove the player from the current repository.</a:t>
             </a:r>
           </a:p>
           <a:p>
@@ -4509,15 +4507,7 @@
             </a:r>
             <a:r>
               <a:rPr lang="en-US" dirty="0"/>
-              <a:t> - Static cache object with a </a:t>
-            </a:r>
-            <a:r>
-              <a:rPr lang="en-US" dirty="0" err="1"/>
-              <a:t>currnet</a:t>
-            </a:r>
-            <a:r>
-              <a:rPr lang="en-US" dirty="0"/>
-              <a:t> </a:t>
+              <a:t> - Static cache object with a current </a:t>
             </a:r>
             <a:r>
               <a:rPr lang="en-US" dirty="0" err="1"/>
@@ -4950,15 +4940,7 @@
             </a:r>
             <a:r>
               <a:rPr lang="en-US" dirty="0"/>
-              <a:t> - Key value pair dictionary </a:t>
-            </a:r>
-            <a:r>
-              <a:rPr lang="en-US" dirty="0" err="1"/>
-              <a:t>ot</a:t>
-            </a:r>
-            <a:r>
-              <a:rPr lang="en-US" dirty="0"/>
-              <a:t> create a leaderboard of players items.</a:t>
+              <a:t> - Key value pair dictionary to create a leaderboard of players items.</a:t>
             </a:r>
           </a:p>
         </p:txBody>
@@ -5134,15 +5116,7 @@
             </a:r>
             <a:r>
               <a:rPr lang="en-US" dirty="0"/>
-              <a:t> - Requests and </a:t>
-            </a:r>
-            <a:r>
-              <a:rPr lang="en-US" dirty="0" err="1"/>
-              <a:t>compairs</a:t>
-            </a:r>
-            <a:r>
-              <a:rPr lang="en-US" dirty="0"/>
-              <a:t> login information</a:t>
+              <a:t> - Requests and compares login information</a:t>
             </a:r>
           </a:p>
           <a:p>
@@ -5295,7 +5269,12 @@
             <p:ph type="title"/>
           </p:nvPr>
         </p:nvSpPr>
-        <p:spPr/>
+        <p:spPr>
+          <a:xfrm>
+            <a:off x="838200" y="317500"/>
+            <a:ext cx="10515600" cy="1325563"/>
+          </a:xfrm>
+        </p:spPr>
         <p:txBody>
           <a:bodyPr/>
           <a:lstStyle/>
@@ -5327,28 +5306,41 @@
         <p:spPr>
           <a:xfrm>
             <a:off x="838200" y="1825625"/>
-            <a:ext cx="4942398" cy="4351338"/>
+            <a:ext cx="5479358" cy="1479550"/>
           </a:xfrm>
         </p:spPr>
         <p:txBody>
-          <a:bodyPr/>
-          <a:lstStyle/>
-          <a:p>
-            <a:r>
-              <a:rPr lang="en-US" dirty="0"/>
+          <a:bodyPr>
+            <a:noAutofit/>
+          </a:bodyPr>
+          <a:lstStyle/>
+          <a:p>
+            <a:r>
+              <a:rPr lang="en-US" sz="2400" dirty="0"/>
               <a:t>Class for players information. </a:t>
             </a:r>
           </a:p>
           <a:p>
             <a:r>
-              <a:rPr lang="en-US" dirty="0"/>
+              <a:rPr lang="en-US" sz="2400" dirty="0"/>
               <a:t>Holds Task for interacting with the </a:t>
             </a:r>
             <a:r>
-              <a:rPr lang="en-US" dirty="0" err="1"/>
+              <a:rPr lang="en-US" sz="2400" dirty="0" err="1"/>
               <a:t>itemTasks</a:t>
             </a:r>
-            <a:endParaRPr lang="en-US" dirty="0"/>
+            <a:r>
+              <a:rPr lang="en-US" sz="2400" dirty="0"/>
+              <a:t>. It also has player’s </a:t>
+            </a:r>
+            <a:r>
+              <a:rPr lang="en-US" sz="2400" dirty="0" err="1"/>
+              <a:t>lastSeenTime</a:t>
+            </a:r>
+            <a:r>
+              <a:rPr lang="en-US" sz="2400" dirty="0"/>
+              <a:t>.</a:t>
+            </a:r>
           </a:p>
         </p:txBody>
       </p:sp>
@@ -5404,7 +5396,7 @@
         </p:blipFill>
         <p:spPr>
           <a:xfrm>
-            <a:off x="992340" y="3268612"/>
+            <a:off x="992340" y="3428999"/>
             <a:ext cx="5325218" cy="3029373"/>
           </a:xfrm>
           <a:prstGeom prst="rect">
